--- a/notebooks/figures/figures.pptx
+++ b/notebooks/figures/figures.pptx
@@ -14,6 +14,8 @@
     <p:sldId id="262" r:id="rId8"/>
     <p:sldId id="263" r:id="rId9"/>
     <p:sldId id="264" r:id="rId10"/>
+    <p:sldId id="265" r:id="rId11"/>
+    <p:sldId id="266" r:id="rId12"/>
   </p:sldIdLst>
   <p:sldSz cx="9144000" cy="6858000" type="screen4x3"/>
   <p:notesSz cx="6858000" cy="9144000"/>
@@ -296,7 +298,7 @@
           <a:p>
             <a:fld id="{43BCFC0B-9A10-4440-B722-5F76B17CF887}" type="datetimeFigureOut">
               <a:rPr lang="en-CA" smtClean="0"/>
-              <a:t>12/04/2016</a:t>
+              <a:t>15/04/2016</a:t>
             </a:fld>
             <a:endParaRPr lang="en-CA"/>
           </a:p>
@@ -466,7 +468,7 @@
           <a:p>
             <a:fld id="{43BCFC0B-9A10-4440-B722-5F76B17CF887}" type="datetimeFigureOut">
               <a:rPr lang="en-CA" smtClean="0"/>
-              <a:t>12/04/2016</a:t>
+              <a:t>15/04/2016</a:t>
             </a:fld>
             <a:endParaRPr lang="en-CA"/>
           </a:p>
@@ -646,7 +648,7 @@
           <a:p>
             <a:fld id="{43BCFC0B-9A10-4440-B722-5F76B17CF887}" type="datetimeFigureOut">
               <a:rPr lang="en-CA" smtClean="0"/>
-              <a:t>12/04/2016</a:t>
+              <a:t>15/04/2016</a:t>
             </a:fld>
             <a:endParaRPr lang="en-CA"/>
           </a:p>
@@ -816,7 +818,7 @@
           <a:p>
             <a:fld id="{43BCFC0B-9A10-4440-B722-5F76B17CF887}" type="datetimeFigureOut">
               <a:rPr lang="en-CA" smtClean="0"/>
-              <a:t>12/04/2016</a:t>
+              <a:t>15/04/2016</a:t>
             </a:fld>
             <a:endParaRPr lang="en-CA"/>
           </a:p>
@@ -1062,7 +1064,7 @@
           <a:p>
             <a:fld id="{43BCFC0B-9A10-4440-B722-5F76B17CF887}" type="datetimeFigureOut">
               <a:rPr lang="en-CA" smtClean="0"/>
-              <a:t>12/04/2016</a:t>
+              <a:t>15/04/2016</a:t>
             </a:fld>
             <a:endParaRPr lang="en-CA"/>
           </a:p>
@@ -1350,7 +1352,7 @@
           <a:p>
             <a:fld id="{43BCFC0B-9A10-4440-B722-5F76B17CF887}" type="datetimeFigureOut">
               <a:rPr lang="en-CA" smtClean="0"/>
-              <a:t>12/04/2016</a:t>
+              <a:t>15/04/2016</a:t>
             </a:fld>
             <a:endParaRPr lang="en-CA"/>
           </a:p>
@@ -1772,7 +1774,7 @@
           <a:p>
             <a:fld id="{43BCFC0B-9A10-4440-B722-5F76B17CF887}" type="datetimeFigureOut">
               <a:rPr lang="en-CA" smtClean="0"/>
-              <a:t>12/04/2016</a:t>
+              <a:t>15/04/2016</a:t>
             </a:fld>
             <a:endParaRPr lang="en-CA"/>
           </a:p>
@@ -1890,7 +1892,7 @@
           <a:p>
             <a:fld id="{43BCFC0B-9A10-4440-B722-5F76B17CF887}" type="datetimeFigureOut">
               <a:rPr lang="en-CA" smtClean="0"/>
-              <a:t>12/04/2016</a:t>
+              <a:t>15/04/2016</a:t>
             </a:fld>
             <a:endParaRPr lang="en-CA"/>
           </a:p>
@@ -1985,7 +1987,7 @@
           <a:p>
             <a:fld id="{43BCFC0B-9A10-4440-B722-5F76B17CF887}" type="datetimeFigureOut">
               <a:rPr lang="en-CA" smtClean="0"/>
-              <a:t>12/04/2016</a:t>
+              <a:t>15/04/2016</a:t>
             </a:fld>
             <a:endParaRPr lang="en-CA"/>
           </a:p>
@@ -2262,7 +2264,7 @@
           <a:p>
             <a:fld id="{43BCFC0B-9A10-4440-B722-5F76B17CF887}" type="datetimeFigureOut">
               <a:rPr lang="en-CA" smtClean="0"/>
-              <a:t>12/04/2016</a:t>
+              <a:t>15/04/2016</a:t>
             </a:fld>
             <a:endParaRPr lang="en-CA"/>
           </a:p>
@@ -2515,7 +2517,7 @@
           <a:p>
             <a:fld id="{43BCFC0B-9A10-4440-B722-5F76B17CF887}" type="datetimeFigureOut">
               <a:rPr lang="en-CA" smtClean="0"/>
-              <a:t>12/04/2016</a:t>
+              <a:t>15/04/2016</a:t>
             </a:fld>
             <a:endParaRPr lang="en-CA"/>
           </a:p>
@@ -2728,7 +2730,7 @@
           <a:p>
             <a:fld id="{43BCFC0B-9A10-4440-B722-5F76B17CF887}" type="datetimeFigureOut">
               <a:rPr lang="en-CA" smtClean="0"/>
-              <a:t>12/04/2016</a:t>
+              <a:t>15/04/2016</a:t>
             </a:fld>
             <a:endParaRPr lang="en-CA"/>
           </a:p>
@@ -3923,6 +3925,864 @@
     <p:extLst>
       <p:ext uri="{BB962C8B-B14F-4D97-AF65-F5344CB8AC3E}">
         <p14:creationId xmlns:p14="http://schemas.microsoft.com/office/powerpoint/2010/main" val="530120379"/>
+      </p:ext>
+    </p:extLst>
+  </p:cSld>
+  <p:clrMapOvr>
+    <a:masterClrMapping/>
+  </p:clrMapOvr>
+</p:sld>
+</file>
+
+<file path=ppt/slides/slide10.xml><?xml version="1.0" encoding="utf-8"?>
+<p:sld xmlns:a="http://schemas.openxmlformats.org/drawingml/2006/main" xmlns:r="http://schemas.openxmlformats.org/officeDocument/2006/relationships" xmlns:p="http://schemas.openxmlformats.org/presentationml/2006/main">
+  <p:cSld>
+    <p:spTree>
+      <p:nvGrpSpPr>
+        <p:cNvPr id="1" name=""/>
+        <p:cNvGrpSpPr/>
+        <p:nvPr/>
+      </p:nvGrpSpPr>
+      <p:grpSpPr>
+        <a:xfrm>
+          <a:off x="0" y="0"/>
+          <a:ext cx="0" cy="0"/>
+          <a:chOff x="0" y="0"/>
+          <a:chExt cx="0" cy="0"/>
+        </a:xfrm>
+      </p:grpSpPr>
+      <p:pic>
+        <p:nvPicPr>
+          <p:cNvPr id="1027" name="Picture 3"/>
+          <p:cNvPicPr>
+            <a:picLocks noChangeAspect="1" noChangeArrowheads="1"/>
+          </p:cNvPicPr>
+          <p:nvPr/>
+        </p:nvPicPr>
+        <p:blipFill>
+          <a:blip r:embed="rId2">
+            <a:extLst>
+              <a:ext uri="{28A0092B-C50C-407E-A947-70E740481C1C}">
+                <a14:useLocalDpi xmlns:a14="http://schemas.microsoft.com/office/drawing/2010/main" val="0"/>
+              </a:ext>
+            </a:extLst>
+          </a:blip>
+          <a:srcRect/>
+          <a:stretch>
+            <a:fillRect/>
+          </a:stretch>
+        </p:blipFill>
+        <p:spPr bwMode="auto">
+          <a:xfrm>
+            <a:off x="35496" y="20191"/>
+            <a:ext cx="3266948" cy="6865193"/>
+          </a:xfrm>
+          <a:prstGeom prst="rect">
+            <a:avLst/>
+          </a:prstGeom>
+          <a:noFill/>
+          <a:ln>
+            <a:noFill/>
+          </a:ln>
+          <a:extLst>
+            <a:ext uri="{909E8E84-426E-40DD-AFC4-6F175D3DCCD1}">
+              <a14:hiddenFill xmlns:a14="http://schemas.microsoft.com/office/drawing/2010/main">
+                <a:solidFill>
+                  <a:schemeClr val="accent1"/>
+                </a:solidFill>
+              </a14:hiddenFill>
+            </a:ext>
+            <a:ext uri="{91240B29-F687-4F45-9708-019B960494DF}">
+              <a14:hiddenLine xmlns:a14="http://schemas.microsoft.com/office/drawing/2010/main" w="9525">
+                <a:solidFill>
+                  <a:schemeClr val="tx1"/>
+                </a:solidFill>
+                <a:miter lim="800000"/>
+                <a:headEnd/>
+                <a:tailEnd/>
+              </a14:hiddenLine>
+            </a:ext>
+          </a:extLst>
+        </p:spPr>
+      </p:pic>
+      <p:sp>
+        <p:nvSpPr>
+          <p:cNvPr id="2" name="Rectangle 1"/>
+          <p:cNvSpPr/>
+          <p:nvPr/>
+        </p:nvSpPr>
+        <p:spPr>
+          <a:xfrm>
+            <a:off x="228810" y="2708920"/>
+            <a:ext cx="2880320" cy="432048"/>
+          </a:xfrm>
+          <a:prstGeom prst="rect">
+            <a:avLst/>
+          </a:prstGeom>
+          <a:noFill/>
+          <a:ln>
+            <a:solidFill>
+              <a:schemeClr val="accent3"/>
+            </a:solidFill>
+          </a:ln>
+        </p:spPr>
+        <p:style>
+          <a:lnRef idx="2">
+            <a:schemeClr val="accent1">
+              <a:shade val="50000"/>
+            </a:schemeClr>
+          </a:lnRef>
+          <a:fillRef idx="1">
+            <a:schemeClr val="accent1"/>
+          </a:fillRef>
+          <a:effectRef idx="0">
+            <a:schemeClr val="accent1"/>
+          </a:effectRef>
+          <a:fontRef idx="minor">
+            <a:schemeClr val="lt1"/>
+          </a:fontRef>
+        </p:style>
+        <p:txBody>
+          <a:bodyPr rtlCol="0" anchor="ctr"/>
+          <a:lstStyle/>
+          <a:p>
+            <a:pPr algn="ctr"/>
+            <a:endParaRPr lang="en-CA"/>
+          </a:p>
+        </p:txBody>
+      </p:sp>
+      <p:sp>
+        <p:nvSpPr>
+          <p:cNvPr id="5" name="Rectangle 4"/>
+          <p:cNvSpPr/>
+          <p:nvPr/>
+        </p:nvSpPr>
+        <p:spPr>
+          <a:xfrm>
+            <a:off x="251520" y="3284984"/>
+            <a:ext cx="2880320" cy="432048"/>
+          </a:xfrm>
+          <a:prstGeom prst="rect">
+            <a:avLst/>
+          </a:prstGeom>
+          <a:noFill/>
+          <a:ln>
+            <a:solidFill>
+              <a:schemeClr val="accent3"/>
+            </a:solidFill>
+          </a:ln>
+        </p:spPr>
+        <p:style>
+          <a:lnRef idx="2">
+            <a:schemeClr val="accent1">
+              <a:shade val="50000"/>
+            </a:schemeClr>
+          </a:lnRef>
+          <a:fillRef idx="1">
+            <a:schemeClr val="accent1"/>
+          </a:fillRef>
+          <a:effectRef idx="0">
+            <a:schemeClr val="accent1"/>
+          </a:effectRef>
+          <a:fontRef idx="minor">
+            <a:schemeClr val="lt1"/>
+          </a:fontRef>
+        </p:style>
+        <p:txBody>
+          <a:bodyPr rtlCol="0" anchor="ctr"/>
+          <a:lstStyle/>
+          <a:p>
+            <a:pPr algn="ctr"/>
+            <a:endParaRPr lang="en-CA"/>
+          </a:p>
+        </p:txBody>
+      </p:sp>
+      <p:sp>
+        <p:nvSpPr>
+          <p:cNvPr id="6" name="Rectangle 5"/>
+          <p:cNvSpPr/>
+          <p:nvPr/>
+        </p:nvSpPr>
+        <p:spPr>
+          <a:xfrm>
+            <a:off x="1475656" y="3727372"/>
+            <a:ext cx="1080120" cy="216024"/>
+          </a:xfrm>
+          <a:prstGeom prst="rect">
+            <a:avLst/>
+          </a:prstGeom>
+          <a:noFill/>
+          <a:ln>
+            <a:solidFill>
+              <a:schemeClr val="accent3"/>
+            </a:solidFill>
+          </a:ln>
+        </p:spPr>
+        <p:style>
+          <a:lnRef idx="2">
+            <a:schemeClr val="accent1">
+              <a:shade val="50000"/>
+            </a:schemeClr>
+          </a:lnRef>
+          <a:fillRef idx="1">
+            <a:schemeClr val="accent1"/>
+          </a:fillRef>
+          <a:effectRef idx="0">
+            <a:schemeClr val="accent1"/>
+          </a:effectRef>
+          <a:fontRef idx="minor">
+            <a:schemeClr val="lt1"/>
+          </a:fontRef>
+        </p:style>
+        <p:txBody>
+          <a:bodyPr rtlCol="0" anchor="ctr"/>
+          <a:lstStyle/>
+          <a:p>
+            <a:pPr algn="ctr"/>
+            <a:endParaRPr lang="en-CA"/>
+          </a:p>
+        </p:txBody>
+      </p:sp>
+      <p:sp>
+        <p:nvSpPr>
+          <p:cNvPr id="7" name="Rectangle 6"/>
+          <p:cNvSpPr/>
+          <p:nvPr/>
+        </p:nvSpPr>
+        <p:spPr>
+          <a:xfrm>
+            <a:off x="2426778" y="4869160"/>
+            <a:ext cx="648072" cy="216024"/>
+          </a:xfrm>
+          <a:prstGeom prst="rect">
+            <a:avLst/>
+          </a:prstGeom>
+          <a:noFill/>
+          <a:ln>
+            <a:solidFill>
+              <a:schemeClr val="accent3"/>
+            </a:solidFill>
+          </a:ln>
+        </p:spPr>
+        <p:style>
+          <a:lnRef idx="2">
+            <a:schemeClr val="accent1">
+              <a:shade val="50000"/>
+            </a:schemeClr>
+          </a:lnRef>
+          <a:fillRef idx="1">
+            <a:schemeClr val="accent1"/>
+          </a:fillRef>
+          <a:effectRef idx="0">
+            <a:schemeClr val="accent1"/>
+          </a:effectRef>
+          <a:fontRef idx="minor">
+            <a:schemeClr val="lt1"/>
+          </a:fontRef>
+        </p:style>
+        <p:txBody>
+          <a:bodyPr rtlCol="0" anchor="ctr"/>
+          <a:lstStyle/>
+          <a:p>
+            <a:pPr algn="ctr"/>
+            <a:endParaRPr lang="en-CA"/>
+          </a:p>
+        </p:txBody>
+      </p:sp>
+      <p:sp>
+        <p:nvSpPr>
+          <p:cNvPr id="8" name="Rectangle 7"/>
+          <p:cNvSpPr/>
+          <p:nvPr/>
+        </p:nvSpPr>
+        <p:spPr>
+          <a:xfrm>
+            <a:off x="194530" y="5445224"/>
+            <a:ext cx="1281126" cy="216024"/>
+          </a:xfrm>
+          <a:prstGeom prst="rect">
+            <a:avLst/>
+          </a:prstGeom>
+          <a:noFill/>
+          <a:ln>
+            <a:solidFill>
+              <a:schemeClr val="accent3"/>
+            </a:solidFill>
+          </a:ln>
+        </p:spPr>
+        <p:style>
+          <a:lnRef idx="2">
+            <a:schemeClr val="accent1">
+              <a:shade val="50000"/>
+            </a:schemeClr>
+          </a:lnRef>
+          <a:fillRef idx="1">
+            <a:schemeClr val="accent1"/>
+          </a:fillRef>
+          <a:effectRef idx="0">
+            <a:schemeClr val="accent1"/>
+          </a:effectRef>
+          <a:fontRef idx="minor">
+            <a:schemeClr val="lt1"/>
+          </a:fontRef>
+        </p:style>
+        <p:txBody>
+          <a:bodyPr rtlCol="0" anchor="ctr"/>
+          <a:lstStyle/>
+          <a:p>
+            <a:pPr algn="ctr"/>
+            <a:endParaRPr lang="en-CA"/>
+          </a:p>
+        </p:txBody>
+      </p:sp>
+      <p:sp>
+        <p:nvSpPr>
+          <p:cNvPr id="9" name="Rectangle 8"/>
+          <p:cNvSpPr/>
+          <p:nvPr/>
+        </p:nvSpPr>
+        <p:spPr>
+          <a:xfrm>
+            <a:off x="2467708" y="5644694"/>
+            <a:ext cx="648072" cy="216024"/>
+          </a:xfrm>
+          <a:prstGeom prst="rect">
+            <a:avLst/>
+          </a:prstGeom>
+          <a:noFill/>
+          <a:ln>
+            <a:solidFill>
+              <a:schemeClr val="accent3"/>
+            </a:solidFill>
+          </a:ln>
+        </p:spPr>
+        <p:style>
+          <a:lnRef idx="2">
+            <a:schemeClr val="accent1">
+              <a:shade val="50000"/>
+            </a:schemeClr>
+          </a:lnRef>
+          <a:fillRef idx="1">
+            <a:schemeClr val="accent1"/>
+          </a:fillRef>
+          <a:effectRef idx="0">
+            <a:schemeClr val="accent1"/>
+          </a:effectRef>
+          <a:fontRef idx="minor">
+            <a:schemeClr val="lt1"/>
+          </a:fontRef>
+        </p:style>
+        <p:txBody>
+          <a:bodyPr rtlCol="0" anchor="ctr"/>
+          <a:lstStyle/>
+          <a:p>
+            <a:pPr algn="ctr"/>
+            <a:endParaRPr lang="en-CA"/>
+          </a:p>
+        </p:txBody>
+      </p:sp>
+      <p:sp>
+        <p:nvSpPr>
+          <p:cNvPr id="10" name="Rectangle 9"/>
+          <p:cNvSpPr/>
+          <p:nvPr/>
+        </p:nvSpPr>
+        <p:spPr>
+          <a:xfrm>
+            <a:off x="187020" y="1196752"/>
+            <a:ext cx="1288635" cy="216024"/>
+          </a:xfrm>
+          <a:prstGeom prst="rect">
+            <a:avLst/>
+          </a:prstGeom>
+          <a:noFill/>
+          <a:ln>
+            <a:solidFill>
+              <a:schemeClr val="accent3"/>
+            </a:solidFill>
+          </a:ln>
+        </p:spPr>
+        <p:style>
+          <a:lnRef idx="2">
+            <a:schemeClr val="accent1">
+              <a:shade val="50000"/>
+            </a:schemeClr>
+          </a:lnRef>
+          <a:fillRef idx="1">
+            <a:schemeClr val="accent1"/>
+          </a:fillRef>
+          <a:effectRef idx="0">
+            <a:schemeClr val="accent1"/>
+          </a:effectRef>
+          <a:fontRef idx="minor">
+            <a:schemeClr val="lt1"/>
+          </a:fontRef>
+        </p:style>
+        <p:txBody>
+          <a:bodyPr rtlCol="0" anchor="ctr"/>
+          <a:lstStyle/>
+          <a:p>
+            <a:pPr algn="ctr"/>
+            <a:endParaRPr lang="en-CA"/>
+          </a:p>
+        </p:txBody>
+      </p:sp>
+    </p:spTree>
+    <p:extLst>
+      <p:ext uri="{BB962C8B-B14F-4D97-AF65-F5344CB8AC3E}">
+        <p14:creationId xmlns:p14="http://schemas.microsoft.com/office/powerpoint/2010/main" val="1519767344"/>
+      </p:ext>
+    </p:extLst>
+  </p:cSld>
+  <p:clrMapOvr>
+    <a:masterClrMapping/>
+  </p:clrMapOvr>
+</p:sld>
+</file>
+
+<file path=ppt/slides/slide11.xml><?xml version="1.0" encoding="utf-8"?>
+<p:sld xmlns:a="http://schemas.openxmlformats.org/drawingml/2006/main" xmlns:r="http://schemas.openxmlformats.org/officeDocument/2006/relationships" xmlns:p="http://schemas.openxmlformats.org/presentationml/2006/main">
+  <p:cSld>
+    <p:spTree>
+      <p:nvGrpSpPr>
+        <p:cNvPr id="1" name=""/>
+        <p:cNvGrpSpPr/>
+        <p:nvPr/>
+      </p:nvGrpSpPr>
+      <p:grpSpPr>
+        <a:xfrm>
+          <a:off x="0" y="0"/>
+          <a:ext cx="0" cy="0"/>
+          <a:chOff x="0" y="0"/>
+          <a:chExt cx="0" cy="0"/>
+        </a:xfrm>
+      </p:grpSpPr>
+      <p:pic>
+        <p:nvPicPr>
+          <p:cNvPr id="1027" name="Picture 3"/>
+          <p:cNvPicPr>
+            <a:picLocks noChangeAspect="1" noChangeArrowheads="1"/>
+          </p:cNvPicPr>
+          <p:nvPr/>
+        </p:nvPicPr>
+        <p:blipFill>
+          <a:blip r:embed="rId2">
+            <a:extLst>
+              <a:ext uri="{28A0092B-C50C-407E-A947-70E740481C1C}">
+                <a14:useLocalDpi xmlns:a14="http://schemas.microsoft.com/office/drawing/2010/main" val="0"/>
+              </a:ext>
+            </a:extLst>
+          </a:blip>
+          <a:srcRect/>
+          <a:stretch>
+            <a:fillRect/>
+          </a:stretch>
+        </p:blipFill>
+        <p:spPr bwMode="auto">
+          <a:xfrm>
+            <a:off x="35496" y="0"/>
+            <a:ext cx="3297490" cy="6889082"/>
+          </a:xfrm>
+          <a:prstGeom prst="rect">
+            <a:avLst/>
+          </a:prstGeom>
+          <a:noFill/>
+          <a:ln>
+            <a:noFill/>
+          </a:ln>
+          <a:extLst>
+            <a:ext uri="{909E8E84-426E-40DD-AFC4-6F175D3DCCD1}">
+              <a14:hiddenFill xmlns:a14="http://schemas.microsoft.com/office/drawing/2010/main">
+                <a:solidFill>
+                  <a:schemeClr val="accent1"/>
+                </a:solidFill>
+              </a14:hiddenFill>
+            </a:ext>
+            <a:ext uri="{91240B29-F687-4F45-9708-019B960494DF}">
+              <a14:hiddenLine xmlns:a14="http://schemas.microsoft.com/office/drawing/2010/main" w="9525">
+                <a:solidFill>
+                  <a:schemeClr val="tx1"/>
+                </a:solidFill>
+                <a:miter lim="800000"/>
+                <a:headEnd/>
+                <a:tailEnd/>
+              </a14:hiddenLine>
+            </a:ext>
+          </a:extLst>
+        </p:spPr>
+      </p:pic>
+      <p:sp>
+        <p:nvSpPr>
+          <p:cNvPr id="4" name="Rectangle 3"/>
+          <p:cNvSpPr/>
+          <p:nvPr/>
+        </p:nvSpPr>
+        <p:spPr>
+          <a:xfrm>
+            <a:off x="228810" y="2653466"/>
+            <a:ext cx="2880320" cy="559510"/>
+          </a:xfrm>
+          <a:prstGeom prst="rect">
+            <a:avLst/>
+          </a:prstGeom>
+          <a:noFill/>
+          <a:ln>
+            <a:solidFill>
+              <a:schemeClr val="accent3"/>
+            </a:solidFill>
+          </a:ln>
+        </p:spPr>
+        <p:style>
+          <a:lnRef idx="2">
+            <a:schemeClr val="accent1">
+              <a:shade val="50000"/>
+            </a:schemeClr>
+          </a:lnRef>
+          <a:fillRef idx="1">
+            <a:schemeClr val="accent1"/>
+          </a:fillRef>
+          <a:effectRef idx="0">
+            <a:schemeClr val="accent1"/>
+          </a:effectRef>
+          <a:fontRef idx="minor">
+            <a:schemeClr val="lt1"/>
+          </a:fontRef>
+        </p:style>
+        <p:txBody>
+          <a:bodyPr rtlCol="0" anchor="ctr"/>
+          <a:lstStyle/>
+          <a:p>
+            <a:pPr algn="ctr"/>
+            <a:endParaRPr lang="en-CA"/>
+          </a:p>
+        </p:txBody>
+      </p:sp>
+      <p:sp>
+        <p:nvSpPr>
+          <p:cNvPr id="5" name="Rectangle 4"/>
+          <p:cNvSpPr/>
+          <p:nvPr/>
+        </p:nvSpPr>
+        <p:spPr>
+          <a:xfrm>
+            <a:off x="251520" y="3356992"/>
+            <a:ext cx="2880320" cy="432048"/>
+          </a:xfrm>
+          <a:prstGeom prst="rect">
+            <a:avLst/>
+          </a:prstGeom>
+          <a:noFill/>
+          <a:ln>
+            <a:solidFill>
+              <a:schemeClr val="accent3"/>
+            </a:solidFill>
+          </a:ln>
+        </p:spPr>
+        <p:style>
+          <a:lnRef idx="2">
+            <a:schemeClr val="accent1">
+              <a:shade val="50000"/>
+            </a:schemeClr>
+          </a:lnRef>
+          <a:fillRef idx="1">
+            <a:schemeClr val="accent1"/>
+          </a:fillRef>
+          <a:effectRef idx="0">
+            <a:schemeClr val="accent1"/>
+          </a:effectRef>
+          <a:fontRef idx="minor">
+            <a:schemeClr val="lt1"/>
+          </a:fontRef>
+        </p:style>
+        <p:txBody>
+          <a:bodyPr rtlCol="0" anchor="ctr"/>
+          <a:lstStyle/>
+          <a:p>
+            <a:pPr algn="ctr"/>
+            <a:endParaRPr lang="en-CA"/>
+          </a:p>
+        </p:txBody>
+      </p:sp>
+      <p:sp>
+        <p:nvSpPr>
+          <p:cNvPr id="6" name="Rectangle 5"/>
+          <p:cNvSpPr/>
+          <p:nvPr/>
+        </p:nvSpPr>
+        <p:spPr>
+          <a:xfrm>
+            <a:off x="1475656" y="3789040"/>
+            <a:ext cx="1080120" cy="216024"/>
+          </a:xfrm>
+          <a:prstGeom prst="rect">
+            <a:avLst/>
+          </a:prstGeom>
+          <a:noFill/>
+          <a:ln>
+            <a:solidFill>
+              <a:schemeClr val="accent3"/>
+            </a:solidFill>
+          </a:ln>
+        </p:spPr>
+        <p:style>
+          <a:lnRef idx="2">
+            <a:schemeClr val="accent1">
+              <a:shade val="50000"/>
+            </a:schemeClr>
+          </a:lnRef>
+          <a:fillRef idx="1">
+            <a:schemeClr val="accent1"/>
+          </a:fillRef>
+          <a:effectRef idx="0">
+            <a:schemeClr val="accent1"/>
+          </a:effectRef>
+          <a:fontRef idx="minor">
+            <a:schemeClr val="lt1"/>
+          </a:fontRef>
+        </p:style>
+        <p:txBody>
+          <a:bodyPr rtlCol="0" anchor="ctr"/>
+          <a:lstStyle/>
+          <a:p>
+            <a:pPr algn="ctr"/>
+            <a:endParaRPr lang="en-CA"/>
+          </a:p>
+        </p:txBody>
+      </p:sp>
+      <p:sp>
+        <p:nvSpPr>
+          <p:cNvPr id="7" name="Rectangle 6"/>
+          <p:cNvSpPr/>
+          <p:nvPr/>
+        </p:nvSpPr>
+        <p:spPr>
+          <a:xfrm>
+            <a:off x="2555776" y="4869160"/>
+            <a:ext cx="648072" cy="216024"/>
+          </a:xfrm>
+          <a:prstGeom prst="rect">
+            <a:avLst/>
+          </a:prstGeom>
+          <a:noFill/>
+          <a:ln>
+            <a:solidFill>
+              <a:schemeClr val="accent3"/>
+            </a:solidFill>
+          </a:ln>
+        </p:spPr>
+        <p:style>
+          <a:lnRef idx="2">
+            <a:schemeClr val="accent1">
+              <a:shade val="50000"/>
+            </a:schemeClr>
+          </a:lnRef>
+          <a:fillRef idx="1">
+            <a:schemeClr val="accent1"/>
+          </a:fillRef>
+          <a:effectRef idx="0">
+            <a:schemeClr val="accent1"/>
+          </a:effectRef>
+          <a:fontRef idx="minor">
+            <a:schemeClr val="lt1"/>
+          </a:fontRef>
+        </p:style>
+        <p:txBody>
+          <a:bodyPr rtlCol="0" anchor="ctr"/>
+          <a:lstStyle/>
+          <a:p>
+            <a:pPr algn="ctr"/>
+            <a:endParaRPr lang="en-CA"/>
+          </a:p>
+        </p:txBody>
+      </p:sp>
+      <p:sp>
+        <p:nvSpPr>
+          <p:cNvPr id="8" name="Rectangle 7"/>
+          <p:cNvSpPr/>
+          <p:nvPr/>
+        </p:nvSpPr>
+        <p:spPr>
+          <a:xfrm>
+            <a:off x="194529" y="5805264"/>
+            <a:ext cx="1489711" cy="216024"/>
+          </a:xfrm>
+          <a:prstGeom prst="rect">
+            <a:avLst/>
+          </a:prstGeom>
+          <a:noFill/>
+          <a:ln>
+            <a:solidFill>
+              <a:schemeClr val="accent3"/>
+            </a:solidFill>
+          </a:ln>
+        </p:spPr>
+        <p:style>
+          <a:lnRef idx="2">
+            <a:schemeClr val="accent1">
+              <a:shade val="50000"/>
+            </a:schemeClr>
+          </a:lnRef>
+          <a:fillRef idx="1">
+            <a:schemeClr val="accent1"/>
+          </a:fillRef>
+          <a:effectRef idx="0">
+            <a:schemeClr val="accent1"/>
+          </a:effectRef>
+          <a:fontRef idx="minor">
+            <a:schemeClr val="lt1"/>
+          </a:fontRef>
+        </p:style>
+        <p:txBody>
+          <a:bodyPr rtlCol="0" anchor="ctr"/>
+          <a:lstStyle/>
+          <a:p>
+            <a:pPr algn="ctr"/>
+            <a:endParaRPr lang="en-CA"/>
+          </a:p>
+        </p:txBody>
+      </p:sp>
+      <p:sp>
+        <p:nvSpPr>
+          <p:cNvPr id="9" name="Rectangle 8"/>
+          <p:cNvSpPr/>
+          <p:nvPr/>
+        </p:nvSpPr>
+        <p:spPr>
+          <a:xfrm>
+            <a:off x="2555776" y="5589240"/>
+            <a:ext cx="648072" cy="216024"/>
+          </a:xfrm>
+          <a:prstGeom prst="rect">
+            <a:avLst/>
+          </a:prstGeom>
+          <a:noFill/>
+          <a:ln>
+            <a:solidFill>
+              <a:schemeClr val="accent3"/>
+            </a:solidFill>
+          </a:ln>
+        </p:spPr>
+        <p:style>
+          <a:lnRef idx="2">
+            <a:schemeClr val="accent1">
+              <a:shade val="50000"/>
+            </a:schemeClr>
+          </a:lnRef>
+          <a:fillRef idx="1">
+            <a:schemeClr val="accent1"/>
+          </a:fillRef>
+          <a:effectRef idx="0">
+            <a:schemeClr val="accent1"/>
+          </a:effectRef>
+          <a:fontRef idx="minor">
+            <a:schemeClr val="lt1"/>
+          </a:fontRef>
+        </p:style>
+        <p:txBody>
+          <a:bodyPr rtlCol="0" anchor="ctr"/>
+          <a:lstStyle/>
+          <a:p>
+            <a:pPr algn="ctr"/>
+            <a:endParaRPr lang="en-CA"/>
+          </a:p>
+        </p:txBody>
+      </p:sp>
+      <p:sp>
+        <p:nvSpPr>
+          <p:cNvPr id="10" name="Rectangle 9"/>
+          <p:cNvSpPr/>
+          <p:nvPr/>
+        </p:nvSpPr>
+        <p:spPr>
+          <a:xfrm>
+            <a:off x="187020" y="908720"/>
+            <a:ext cx="1288635" cy="216024"/>
+          </a:xfrm>
+          <a:prstGeom prst="rect">
+            <a:avLst/>
+          </a:prstGeom>
+          <a:noFill/>
+          <a:ln>
+            <a:solidFill>
+              <a:schemeClr val="accent3"/>
+            </a:solidFill>
+          </a:ln>
+        </p:spPr>
+        <p:style>
+          <a:lnRef idx="2">
+            <a:schemeClr val="accent1">
+              <a:shade val="50000"/>
+            </a:schemeClr>
+          </a:lnRef>
+          <a:fillRef idx="1">
+            <a:schemeClr val="accent1"/>
+          </a:fillRef>
+          <a:effectRef idx="0">
+            <a:schemeClr val="accent1"/>
+          </a:effectRef>
+          <a:fontRef idx="minor">
+            <a:schemeClr val="lt1"/>
+          </a:fontRef>
+        </p:style>
+        <p:txBody>
+          <a:bodyPr rtlCol="0" anchor="ctr"/>
+          <a:lstStyle/>
+          <a:p>
+            <a:pPr algn="ctr"/>
+            <a:endParaRPr lang="en-CA"/>
+          </a:p>
+        </p:txBody>
+      </p:sp>
+      <p:sp>
+        <p:nvSpPr>
+          <p:cNvPr id="11" name="Rectangle 10"/>
+          <p:cNvSpPr/>
+          <p:nvPr/>
+        </p:nvSpPr>
+        <p:spPr>
+          <a:xfrm>
+            <a:off x="251520" y="1988840"/>
+            <a:ext cx="2880320" cy="216024"/>
+          </a:xfrm>
+          <a:prstGeom prst="rect">
+            <a:avLst/>
+          </a:prstGeom>
+          <a:noFill/>
+          <a:ln>
+            <a:solidFill>
+              <a:schemeClr val="accent3"/>
+            </a:solidFill>
+          </a:ln>
+        </p:spPr>
+        <p:style>
+          <a:lnRef idx="2">
+            <a:schemeClr val="accent1">
+              <a:shade val="50000"/>
+            </a:schemeClr>
+          </a:lnRef>
+          <a:fillRef idx="1">
+            <a:schemeClr val="accent1"/>
+          </a:fillRef>
+          <a:effectRef idx="0">
+            <a:schemeClr val="accent1"/>
+          </a:effectRef>
+          <a:fontRef idx="minor">
+            <a:schemeClr val="lt1"/>
+          </a:fontRef>
+        </p:style>
+        <p:txBody>
+          <a:bodyPr rtlCol="0" anchor="ctr"/>
+          <a:lstStyle/>
+          <a:p>
+            <a:pPr algn="ctr"/>
+            <a:endParaRPr lang="en-CA"/>
+          </a:p>
+        </p:txBody>
+      </p:sp>
+    </p:spTree>
+    <p:extLst>
+      <p:ext uri="{BB962C8B-B14F-4D97-AF65-F5344CB8AC3E}">
+        <p14:creationId xmlns:p14="http://schemas.microsoft.com/office/powerpoint/2010/main" val="3755440375"/>
       </p:ext>
     </p:extLst>
   </p:cSld>

--- a/notebooks/figures/figures.pptx
+++ b/notebooks/figures/figures.pptx
@@ -16,6 +16,13 @@
     <p:sldId id="264" r:id="rId10"/>
     <p:sldId id="265" r:id="rId11"/>
     <p:sldId id="266" r:id="rId12"/>
+    <p:sldId id="267" r:id="rId13"/>
+    <p:sldId id="268" r:id="rId14"/>
+    <p:sldId id="269" r:id="rId15"/>
+    <p:sldId id="270" r:id="rId16"/>
+    <p:sldId id="271" r:id="rId17"/>
+    <p:sldId id="272" r:id="rId18"/>
+    <p:sldId id="273" r:id="rId19"/>
   </p:sldIdLst>
   <p:sldSz cx="9144000" cy="6858000" type="screen4x3"/>
   <p:notesSz cx="6858000" cy="9144000"/>
@@ -298,7 +305,7 @@
           <a:p>
             <a:fld id="{43BCFC0B-9A10-4440-B722-5F76B17CF887}" type="datetimeFigureOut">
               <a:rPr lang="en-CA" smtClean="0"/>
-              <a:t>15/04/2016</a:t>
+              <a:t>06/05/2016</a:t>
             </a:fld>
             <a:endParaRPr lang="en-CA"/>
           </a:p>
@@ -468,7 +475,7 @@
           <a:p>
             <a:fld id="{43BCFC0B-9A10-4440-B722-5F76B17CF887}" type="datetimeFigureOut">
               <a:rPr lang="en-CA" smtClean="0"/>
-              <a:t>15/04/2016</a:t>
+              <a:t>06/05/2016</a:t>
             </a:fld>
             <a:endParaRPr lang="en-CA"/>
           </a:p>
@@ -648,7 +655,7 @@
           <a:p>
             <a:fld id="{43BCFC0B-9A10-4440-B722-5F76B17CF887}" type="datetimeFigureOut">
               <a:rPr lang="en-CA" smtClean="0"/>
-              <a:t>15/04/2016</a:t>
+              <a:t>06/05/2016</a:t>
             </a:fld>
             <a:endParaRPr lang="en-CA"/>
           </a:p>
@@ -818,7 +825,7 @@
           <a:p>
             <a:fld id="{43BCFC0B-9A10-4440-B722-5F76B17CF887}" type="datetimeFigureOut">
               <a:rPr lang="en-CA" smtClean="0"/>
-              <a:t>15/04/2016</a:t>
+              <a:t>06/05/2016</a:t>
             </a:fld>
             <a:endParaRPr lang="en-CA"/>
           </a:p>
@@ -1064,7 +1071,7 @@
           <a:p>
             <a:fld id="{43BCFC0B-9A10-4440-B722-5F76B17CF887}" type="datetimeFigureOut">
               <a:rPr lang="en-CA" smtClean="0"/>
-              <a:t>15/04/2016</a:t>
+              <a:t>06/05/2016</a:t>
             </a:fld>
             <a:endParaRPr lang="en-CA"/>
           </a:p>
@@ -1352,7 +1359,7 @@
           <a:p>
             <a:fld id="{43BCFC0B-9A10-4440-B722-5F76B17CF887}" type="datetimeFigureOut">
               <a:rPr lang="en-CA" smtClean="0"/>
-              <a:t>15/04/2016</a:t>
+              <a:t>06/05/2016</a:t>
             </a:fld>
             <a:endParaRPr lang="en-CA"/>
           </a:p>
@@ -1774,7 +1781,7 @@
           <a:p>
             <a:fld id="{43BCFC0B-9A10-4440-B722-5F76B17CF887}" type="datetimeFigureOut">
               <a:rPr lang="en-CA" smtClean="0"/>
-              <a:t>15/04/2016</a:t>
+              <a:t>06/05/2016</a:t>
             </a:fld>
             <a:endParaRPr lang="en-CA"/>
           </a:p>
@@ -1892,7 +1899,7 @@
           <a:p>
             <a:fld id="{43BCFC0B-9A10-4440-B722-5F76B17CF887}" type="datetimeFigureOut">
               <a:rPr lang="en-CA" smtClean="0"/>
-              <a:t>15/04/2016</a:t>
+              <a:t>06/05/2016</a:t>
             </a:fld>
             <a:endParaRPr lang="en-CA"/>
           </a:p>
@@ -1987,7 +1994,7 @@
           <a:p>
             <a:fld id="{43BCFC0B-9A10-4440-B722-5F76B17CF887}" type="datetimeFigureOut">
               <a:rPr lang="en-CA" smtClean="0"/>
-              <a:t>15/04/2016</a:t>
+              <a:t>06/05/2016</a:t>
             </a:fld>
             <a:endParaRPr lang="en-CA"/>
           </a:p>
@@ -2264,7 +2271,7 @@
           <a:p>
             <a:fld id="{43BCFC0B-9A10-4440-B722-5F76B17CF887}" type="datetimeFigureOut">
               <a:rPr lang="en-CA" smtClean="0"/>
-              <a:t>15/04/2016</a:t>
+              <a:t>06/05/2016</a:t>
             </a:fld>
             <a:endParaRPr lang="en-CA"/>
           </a:p>
@@ -2517,7 +2524,7 @@
           <a:p>
             <a:fld id="{43BCFC0B-9A10-4440-B722-5F76B17CF887}" type="datetimeFigureOut">
               <a:rPr lang="en-CA" smtClean="0"/>
-              <a:t>15/04/2016</a:t>
+              <a:t>06/05/2016</a:t>
             </a:fld>
             <a:endParaRPr lang="en-CA"/>
           </a:p>
@@ -2730,7 +2737,7 @@
           <a:p>
             <a:fld id="{43BCFC0B-9A10-4440-B722-5F76B17CF887}" type="datetimeFigureOut">
               <a:rPr lang="en-CA" smtClean="0"/>
-              <a:t>15/04/2016</a:t>
+              <a:t>06/05/2016</a:t>
             </a:fld>
             <a:endParaRPr lang="en-CA"/>
           </a:p>
@@ -4783,6 +4790,1027 @@
     <p:extLst>
       <p:ext uri="{BB962C8B-B14F-4D97-AF65-F5344CB8AC3E}">
         <p14:creationId xmlns:p14="http://schemas.microsoft.com/office/powerpoint/2010/main" val="3755440375"/>
+      </p:ext>
+    </p:extLst>
+  </p:cSld>
+  <p:clrMapOvr>
+    <a:masterClrMapping/>
+  </p:clrMapOvr>
+</p:sld>
+</file>
+
+<file path=ppt/slides/slide12.xml><?xml version="1.0" encoding="utf-8"?>
+<p:sld xmlns:a="http://schemas.openxmlformats.org/drawingml/2006/main" xmlns:r="http://schemas.openxmlformats.org/officeDocument/2006/relationships" xmlns:p="http://schemas.openxmlformats.org/presentationml/2006/main">
+  <p:cSld>
+    <p:spTree>
+      <p:nvGrpSpPr>
+        <p:cNvPr id="1" name=""/>
+        <p:cNvGrpSpPr/>
+        <p:nvPr/>
+      </p:nvGrpSpPr>
+      <p:grpSpPr>
+        <a:xfrm>
+          <a:off x="0" y="0"/>
+          <a:ext cx="0" cy="0"/>
+          <a:chOff x="0" y="0"/>
+          <a:chExt cx="0" cy="0"/>
+        </a:xfrm>
+      </p:grpSpPr>
+      <p:pic>
+        <p:nvPicPr>
+          <p:cNvPr id="1026" name="Picture 2"/>
+          <p:cNvPicPr>
+            <a:picLocks noChangeAspect="1" noChangeArrowheads="1"/>
+          </p:cNvPicPr>
+          <p:nvPr/>
+        </p:nvPicPr>
+        <p:blipFill>
+          <a:blip r:embed="rId2">
+            <a:extLst>
+              <a:ext uri="{28A0092B-C50C-407E-A947-70E740481C1C}">
+                <a14:useLocalDpi xmlns:a14="http://schemas.microsoft.com/office/drawing/2010/main" val="0"/>
+              </a:ext>
+            </a:extLst>
+          </a:blip>
+          <a:srcRect/>
+          <a:stretch>
+            <a:fillRect/>
+          </a:stretch>
+        </p:blipFill>
+        <p:spPr bwMode="auto">
+          <a:xfrm>
+            <a:off x="15744" y="188640"/>
+            <a:ext cx="9092270" cy="5733256"/>
+          </a:xfrm>
+          <a:prstGeom prst="rect">
+            <a:avLst/>
+          </a:prstGeom>
+          <a:noFill/>
+          <a:ln>
+            <a:noFill/>
+          </a:ln>
+          <a:extLst>
+            <a:ext uri="{909E8E84-426E-40DD-AFC4-6F175D3DCCD1}">
+              <a14:hiddenFill xmlns:a14="http://schemas.microsoft.com/office/drawing/2010/main">
+                <a:solidFill>
+                  <a:schemeClr val="accent1"/>
+                </a:solidFill>
+              </a14:hiddenFill>
+            </a:ext>
+            <a:ext uri="{91240B29-F687-4F45-9708-019B960494DF}">
+              <a14:hiddenLine xmlns:a14="http://schemas.microsoft.com/office/drawing/2010/main" w="9525">
+                <a:solidFill>
+                  <a:schemeClr val="tx1"/>
+                </a:solidFill>
+                <a:miter lim="800000"/>
+                <a:headEnd/>
+                <a:tailEnd/>
+              </a14:hiddenLine>
+            </a:ext>
+          </a:extLst>
+        </p:spPr>
+      </p:pic>
+      <p:sp>
+        <p:nvSpPr>
+          <p:cNvPr id="3" name="Rectangle 2"/>
+          <p:cNvSpPr/>
+          <p:nvPr/>
+        </p:nvSpPr>
+        <p:spPr>
+          <a:xfrm>
+            <a:off x="7668344" y="2276872"/>
+            <a:ext cx="1367662" cy="504056"/>
+          </a:xfrm>
+          <a:prstGeom prst="rect">
+            <a:avLst/>
+          </a:prstGeom>
+          <a:noFill/>
+          <a:ln w="28575">
+            <a:solidFill>
+              <a:schemeClr val="accent4">
+                <a:lumMod val="75000"/>
+              </a:schemeClr>
+            </a:solidFill>
+          </a:ln>
+        </p:spPr>
+        <p:style>
+          <a:lnRef idx="2">
+            <a:schemeClr val="accent1">
+              <a:shade val="50000"/>
+            </a:schemeClr>
+          </a:lnRef>
+          <a:fillRef idx="1">
+            <a:schemeClr val="accent1"/>
+          </a:fillRef>
+          <a:effectRef idx="0">
+            <a:schemeClr val="accent1"/>
+          </a:effectRef>
+          <a:fontRef idx="minor">
+            <a:schemeClr val="lt1"/>
+          </a:fontRef>
+        </p:style>
+        <p:txBody>
+          <a:bodyPr rtlCol="0" anchor="ctr"/>
+          <a:lstStyle/>
+          <a:p>
+            <a:pPr algn="ctr"/>
+            <a:endParaRPr lang="en-CA"/>
+          </a:p>
+        </p:txBody>
+      </p:sp>
+      <p:cxnSp>
+        <p:nvCxnSpPr>
+          <p:cNvPr id="4" name="Straight Arrow Connector 3"/>
+          <p:cNvCxnSpPr>
+            <a:stCxn id="5" idx="3"/>
+          </p:cNvCxnSpPr>
+          <p:nvPr/>
+        </p:nvCxnSpPr>
+        <p:spPr>
+          <a:xfrm>
+            <a:off x="7199981" y="2348880"/>
+            <a:ext cx="468363" cy="216024"/>
+          </a:xfrm>
+          <a:prstGeom prst="straightConnector1">
+            <a:avLst/>
+          </a:prstGeom>
+          <a:ln w="28575">
+            <a:solidFill>
+              <a:schemeClr val="accent4">
+                <a:lumMod val="75000"/>
+              </a:schemeClr>
+            </a:solidFill>
+            <a:tailEnd type="arrow"/>
+          </a:ln>
+        </p:spPr>
+        <p:style>
+          <a:lnRef idx="1">
+            <a:schemeClr val="accent1"/>
+          </a:lnRef>
+          <a:fillRef idx="0">
+            <a:schemeClr val="accent1"/>
+          </a:fillRef>
+          <a:effectRef idx="0">
+            <a:schemeClr val="accent1"/>
+          </a:effectRef>
+          <a:fontRef idx="minor">
+            <a:schemeClr val="tx1"/>
+          </a:fontRef>
+        </p:style>
+      </p:cxnSp>
+      <p:sp>
+        <p:nvSpPr>
+          <p:cNvPr id="5" name="TextBox 4"/>
+          <p:cNvSpPr txBox="1"/>
+          <p:nvPr/>
+        </p:nvSpPr>
+        <p:spPr>
+          <a:xfrm>
+            <a:off x="5724128" y="1887215"/>
+            <a:ext cx="1475853" cy="923330"/>
+          </a:xfrm>
+          <a:prstGeom prst="rect">
+            <a:avLst/>
+          </a:prstGeom>
+          <a:noFill/>
+        </p:spPr>
+        <p:txBody>
+          <a:bodyPr wrap="none" rtlCol="0">
+            <a:spAutoFit/>
+          </a:bodyPr>
+          <a:lstStyle/>
+          <a:p>
+            <a:r>
+              <a:rPr lang="en-CA" dirty="0" smtClean="0"/>
+              <a:t>Adjust sliders</a:t>
+            </a:r>
+          </a:p>
+          <a:p>
+            <a:r>
+              <a:rPr lang="en-CA" dirty="0" smtClean="0"/>
+              <a:t>to remove or </a:t>
+            </a:r>
+          </a:p>
+          <a:p>
+            <a:r>
+              <a:rPr lang="en-CA" dirty="0" smtClean="0"/>
+              <a:t>Re-add </a:t>
+            </a:r>
+            <a:r>
+              <a:rPr lang="en-CA" b="1" dirty="0" smtClean="0"/>
+              <a:t>nodes</a:t>
+            </a:r>
+            <a:endParaRPr lang="en-CA" b="1" dirty="0"/>
+          </a:p>
+        </p:txBody>
+      </p:sp>
+      <p:sp>
+        <p:nvSpPr>
+          <p:cNvPr id="8" name="Rectangle 7"/>
+          <p:cNvSpPr/>
+          <p:nvPr/>
+        </p:nvSpPr>
+        <p:spPr>
+          <a:xfrm>
+            <a:off x="7654098" y="1768170"/>
+            <a:ext cx="1367662" cy="468052"/>
+          </a:xfrm>
+          <a:prstGeom prst="rect">
+            <a:avLst/>
+          </a:prstGeom>
+          <a:noFill/>
+          <a:ln w="28575">
+            <a:solidFill>
+              <a:schemeClr val="accent4">
+                <a:lumMod val="75000"/>
+              </a:schemeClr>
+            </a:solidFill>
+          </a:ln>
+        </p:spPr>
+        <p:style>
+          <a:lnRef idx="2">
+            <a:schemeClr val="accent1">
+              <a:shade val="50000"/>
+            </a:schemeClr>
+          </a:lnRef>
+          <a:fillRef idx="1">
+            <a:schemeClr val="accent1"/>
+          </a:fillRef>
+          <a:effectRef idx="0">
+            <a:schemeClr val="accent1"/>
+          </a:effectRef>
+          <a:fontRef idx="minor">
+            <a:schemeClr val="lt1"/>
+          </a:fontRef>
+        </p:style>
+        <p:txBody>
+          <a:bodyPr rtlCol="0" anchor="ctr"/>
+          <a:lstStyle/>
+          <a:p>
+            <a:pPr algn="ctr"/>
+            <a:endParaRPr lang="en-CA"/>
+          </a:p>
+        </p:txBody>
+      </p:sp>
+      <p:cxnSp>
+        <p:nvCxnSpPr>
+          <p:cNvPr id="9" name="Straight Arrow Connector 8"/>
+          <p:cNvCxnSpPr>
+            <a:endCxn id="8" idx="1"/>
+          </p:cNvCxnSpPr>
+          <p:nvPr/>
+        </p:nvCxnSpPr>
+        <p:spPr>
+          <a:xfrm flipV="1">
+            <a:off x="7181065" y="2002196"/>
+            <a:ext cx="473033" cy="234026"/>
+          </a:xfrm>
+          <a:prstGeom prst="straightConnector1">
+            <a:avLst/>
+          </a:prstGeom>
+          <a:ln w="28575">
+            <a:solidFill>
+              <a:schemeClr val="accent4">
+                <a:lumMod val="75000"/>
+              </a:schemeClr>
+            </a:solidFill>
+            <a:tailEnd type="arrow"/>
+          </a:ln>
+        </p:spPr>
+        <p:style>
+          <a:lnRef idx="1">
+            <a:schemeClr val="accent1"/>
+          </a:lnRef>
+          <a:fillRef idx="0">
+            <a:schemeClr val="accent1"/>
+          </a:fillRef>
+          <a:effectRef idx="0">
+            <a:schemeClr val="accent1"/>
+          </a:effectRef>
+          <a:fontRef idx="minor">
+            <a:schemeClr val="tx1"/>
+          </a:fontRef>
+        </p:style>
+      </p:cxnSp>
+    </p:spTree>
+    <p:extLst>
+      <p:ext uri="{BB962C8B-B14F-4D97-AF65-F5344CB8AC3E}">
+        <p14:creationId xmlns:p14="http://schemas.microsoft.com/office/powerpoint/2010/main" val="915035572"/>
+      </p:ext>
+    </p:extLst>
+  </p:cSld>
+  <p:clrMapOvr>
+    <a:masterClrMapping/>
+  </p:clrMapOvr>
+</p:sld>
+</file>
+
+<file path=ppt/slides/slide13.xml><?xml version="1.0" encoding="utf-8"?>
+<p:sld xmlns:a="http://schemas.openxmlformats.org/drawingml/2006/main" xmlns:r="http://schemas.openxmlformats.org/officeDocument/2006/relationships" xmlns:p="http://schemas.openxmlformats.org/presentationml/2006/main">
+  <p:cSld>
+    <p:spTree>
+      <p:nvGrpSpPr>
+        <p:cNvPr id="1" name=""/>
+        <p:cNvGrpSpPr/>
+        <p:nvPr/>
+      </p:nvGrpSpPr>
+      <p:grpSpPr>
+        <a:xfrm>
+          <a:off x="0" y="0"/>
+          <a:ext cx="0" cy="0"/>
+          <a:chOff x="0" y="0"/>
+          <a:chExt cx="0" cy="0"/>
+        </a:xfrm>
+      </p:grpSpPr>
+      <p:pic>
+        <p:nvPicPr>
+          <p:cNvPr id="2050" name="Picture 2"/>
+          <p:cNvPicPr>
+            <a:picLocks noChangeAspect="1" noChangeArrowheads="1"/>
+          </p:cNvPicPr>
+          <p:nvPr/>
+        </p:nvPicPr>
+        <p:blipFill>
+          <a:blip r:embed="rId2">
+            <a:extLst>
+              <a:ext uri="{28A0092B-C50C-407E-A947-70E740481C1C}">
+                <a14:useLocalDpi xmlns:a14="http://schemas.microsoft.com/office/drawing/2010/main" val="0"/>
+              </a:ext>
+            </a:extLst>
+          </a:blip>
+          <a:srcRect/>
+          <a:stretch>
+            <a:fillRect/>
+          </a:stretch>
+        </p:blipFill>
+        <p:spPr bwMode="auto">
+          <a:xfrm>
+            <a:off x="0" y="0"/>
+            <a:ext cx="9092269" cy="5733256"/>
+          </a:xfrm>
+          <a:prstGeom prst="rect">
+            <a:avLst/>
+          </a:prstGeom>
+          <a:noFill/>
+          <a:ln>
+            <a:noFill/>
+          </a:ln>
+          <a:extLst>
+            <a:ext uri="{909E8E84-426E-40DD-AFC4-6F175D3DCCD1}">
+              <a14:hiddenFill xmlns:a14="http://schemas.microsoft.com/office/drawing/2010/main">
+                <a:solidFill>
+                  <a:schemeClr val="accent1"/>
+                </a:solidFill>
+              </a14:hiddenFill>
+            </a:ext>
+            <a:ext uri="{91240B29-F687-4F45-9708-019B960494DF}">
+              <a14:hiddenLine xmlns:a14="http://schemas.microsoft.com/office/drawing/2010/main" w="9525">
+                <a:solidFill>
+                  <a:schemeClr val="tx1"/>
+                </a:solidFill>
+                <a:miter lim="800000"/>
+                <a:headEnd/>
+                <a:tailEnd/>
+              </a14:hiddenLine>
+            </a:ext>
+          </a:extLst>
+        </p:spPr>
+      </p:pic>
+      <p:sp>
+        <p:nvSpPr>
+          <p:cNvPr id="3" name="Rectangle 2"/>
+          <p:cNvSpPr/>
+          <p:nvPr/>
+        </p:nvSpPr>
+        <p:spPr>
+          <a:xfrm>
+            <a:off x="7668344" y="2535287"/>
+            <a:ext cx="1367662" cy="504056"/>
+          </a:xfrm>
+          <a:prstGeom prst="rect">
+            <a:avLst/>
+          </a:prstGeom>
+          <a:noFill/>
+          <a:ln w="28575">
+            <a:solidFill>
+              <a:schemeClr val="accent4">
+                <a:lumMod val="75000"/>
+              </a:schemeClr>
+            </a:solidFill>
+          </a:ln>
+        </p:spPr>
+        <p:style>
+          <a:lnRef idx="2">
+            <a:schemeClr val="accent1">
+              <a:shade val="50000"/>
+            </a:schemeClr>
+          </a:lnRef>
+          <a:fillRef idx="1">
+            <a:schemeClr val="accent1"/>
+          </a:fillRef>
+          <a:effectRef idx="0">
+            <a:schemeClr val="accent1"/>
+          </a:effectRef>
+          <a:fontRef idx="minor">
+            <a:schemeClr val="lt1"/>
+          </a:fontRef>
+        </p:style>
+        <p:txBody>
+          <a:bodyPr rtlCol="0" anchor="ctr"/>
+          <a:lstStyle/>
+          <a:p>
+            <a:pPr algn="ctr"/>
+            <a:endParaRPr lang="en-CA"/>
+          </a:p>
+        </p:txBody>
+      </p:sp>
+      <p:cxnSp>
+        <p:nvCxnSpPr>
+          <p:cNvPr id="4" name="Straight Arrow Connector 3"/>
+          <p:cNvCxnSpPr>
+            <a:stCxn id="5" idx="3"/>
+          </p:cNvCxnSpPr>
+          <p:nvPr/>
+        </p:nvCxnSpPr>
+        <p:spPr>
+          <a:xfrm>
+            <a:off x="7181065" y="2607295"/>
+            <a:ext cx="487279" cy="216024"/>
+          </a:xfrm>
+          <a:prstGeom prst="straightConnector1">
+            <a:avLst/>
+          </a:prstGeom>
+          <a:ln w="28575">
+            <a:solidFill>
+              <a:schemeClr val="accent4">
+                <a:lumMod val="75000"/>
+              </a:schemeClr>
+            </a:solidFill>
+            <a:tailEnd type="arrow"/>
+          </a:ln>
+        </p:spPr>
+        <p:style>
+          <a:lnRef idx="1">
+            <a:schemeClr val="accent1"/>
+          </a:lnRef>
+          <a:fillRef idx="0">
+            <a:schemeClr val="accent1"/>
+          </a:fillRef>
+          <a:effectRef idx="0">
+            <a:schemeClr val="accent1"/>
+          </a:effectRef>
+          <a:fontRef idx="minor">
+            <a:schemeClr val="tx1"/>
+          </a:fontRef>
+        </p:style>
+      </p:cxnSp>
+      <p:sp>
+        <p:nvSpPr>
+          <p:cNvPr id="5" name="TextBox 4"/>
+          <p:cNvSpPr txBox="1"/>
+          <p:nvPr/>
+        </p:nvSpPr>
+        <p:spPr>
+          <a:xfrm>
+            <a:off x="5724128" y="2145630"/>
+            <a:ext cx="1456937" cy="923330"/>
+          </a:xfrm>
+          <a:prstGeom prst="rect">
+            <a:avLst/>
+          </a:prstGeom>
+          <a:noFill/>
+        </p:spPr>
+        <p:txBody>
+          <a:bodyPr wrap="none" rtlCol="0">
+            <a:spAutoFit/>
+          </a:bodyPr>
+          <a:lstStyle/>
+          <a:p>
+            <a:r>
+              <a:rPr lang="en-CA" dirty="0" smtClean="0"/>
+              <a:t>Adjust sliders</a:t>
+            </a:r>
+          </a:p>
+          <a:p>
+            <a:r>
+              <a:rPr lang="en-CA" dirty="0" smtClean="0"/>
+              <a:t>to remove or </a:t>
+            </a:r>
+          </a:p>
+          <a:p>
+            <a:r>
+              <a:rPr lang="en-CA" dirty="0" smtClean="0"/>
+              <a:t>Re-add </a:t>
+            </a:r>
+            <a:r>
+              <a:rPr lang="en-CA" b="1" dirty="0" smtClean="0"/>
+              <a:t>edges</a:t>
+            </a:r>
+            <a:endParaRPr lang="en-CA" b="1" dirty="0"/>
+          </a:p>
+        </p:txBody>
+      </p:sp>
+    </p:spTree>
+    <p:extLst>
+      <p:ext uri="{BB962C8B-B14F-4D97-AF65-F5344CB8AC3E}">
+        <p14:creationId xmlns:p14="http://schemas.microsoft.com/office/powerpoint/2010/main" val="2836218026"/>
+      </p:ext>
+    </p:extLst>
+  </p:cSld>
+  <p:clrMapOvr>
+    <a:masterClrMapping/>
+  </p:clrMapOvr>
+</p:sld>
+</file>
+
+<file path=ppt/slides/slide14.xml><?xml version="1.0" encoding="utf-8"?>
+<p:sld xmlns:a="http://schemas.openxmlformats.org/drawingml/2006/main" xmlns:r="http://schemas.openxmlformats.org/officeDocument/2006/relationships" xmlns:p="http://schemas.openxmlformats.org/presentationml/2006/main">
+  <p:cSld>
+    <p:spTree>
+      <p:nvGrpSpPr>
+        <p:cNvPr id="1" name=""/>
+        <p:cNvGrpSpPr/>
+        <p:nvPr/>
+      </p:nvGrpSpPr>
+      <p:grpSpPr>
+        <a:xfrm>
+          <a:off x="0" y="0"/>
+          <a:ext cx="0" cy="0"/>
+          <a:chOff x="0" y="0"/>
+          <a:chExt cx="0" cy="0"/>
+        </a:xfrm>
+      </p:grpSpPr>
+      <p:pic>
+        <p:nvPicPr>
+          <p:cNvPr id="3075" name="Picture 3"/>
+          <p:cNvPicPr>
+            <a:picLocks noChangeAspect="1" noChangeArrowheads="1"/>
+          </p:cNvPicPr>
+          <p:nvPr/>
+        </p:nvPicPr>
+        <p:blipFill rotWithShape="1">
+          <a:blip r:embed="rId2">
+            <a:extLst>
+              <a:ext uri="{28A0092B-C50C-407E-A947-70E740481C1C}">
+                <a14:useLocalDpi xmlns:a14="http://schemas.microsoft.com/office/drawing/2010/main" val="0"/>
+              </a:ext>
+            </a:extLst>
+          </a:blip>
+          <a:srcRect l="6693" t="9260" r="61256" b="36689"/>
+          <a:stretch/>
+        </p:blipFill>
+        <p:spPr bwMode="auto">
+          <a:xfrm>
+            <a:off x="72081" y="116632"/>
+            <a:ext cx="9036423" cy="5405718"/>
+          </a:xfrm>
+          <a:prstGeom prst="rect">
+            <a:avLst/>
+          </a:prstGeom>
+          <a:noFill/>
+          <a:ln>
+            <a:noFill/>
+          </a:ln>
+          <a:extLst>
+            <a:ext uri="{909E8E84-426E-40DD-AFC4-6F175D3DCCD1}">
+              <a14:hiddenFill xmlns:a14="http://schemas.microsoft.com/office/drawing/2010/main">
+                <a:solidFill>
+                  <a:schemeClr val="accent1"/>
+                </a:solidFill>
+              </a14:hiddenFill>
+            </a:ext>
+            <a:ext uri="{91240B29-F687-4F45-9708-019B960494DF}">
+              <a14:hiddenLine xmlns:a14="http://schemas.microsoft.com/office/drawing/2010/main" w="9525">
+                <a:solidFill>
+                  <a:schemeClr val="tx1"/>
+                </a:solidFill>
+                <a:miter lim="800000"/>
+                <a:headEnd/>
+                <a:tailEnd/>
+              </a14:hiddenLine>
+            </a:ext>
+          </a:extLst>
+        </p:spPr>
+      </p:pic>
+    </p:spTree>
+    <p:extLst>
+      <p:ext uri="{BB962C8B-B14F-4D97-AF65-F5344CB8AC3E}">
+        <p14:creationId xmlns:p14="http://schemas.microsoft.com/office/powerpoint/2010/main" val="307319573"/>
+      </p:ext>
+    </p:extLst>
+  </p:cSld>
+  <p:clrMapOvr>
+    <a:masterClrMapping/>
+  </p:clrMapOvr>
+</p:sld>
+</file>
+
+<file path=ppt/slides/slide15.xml><?xml version="1.0" encoding="utf-8"?>
+<p:sld xmlns:a="http://schemas.openxmlformats.org/drawingml/2006/main" xmlns:r="http://schemas.openxmlformats.org/officeDocument/2006/relationships" xmlns:p="http://schemas.openxmlformats.org/presentationml/2006/main">
+  <p:cSld>
+    <p:spTree>
+      <p:nvGrpSpPr>
+        <p:cNvPr id="1" name=""/>
+        <p:cNvGrpSpPr/>
+        <p:nvPr/>
+      </p:nvGrpSpPr>
+      <p:grpSpPr>
+        <a:xfrm>
+          <a:off x="0" y="0"/>
+          <a:ext cx="0" cy="0"/>
+          <a:chOff x="0" y="0"/>
+          <a:chExt cx="0" cy="0"/>
+        </a:xfrm>
+      </p:grpSpPr>
+      <p:pic>
+        <p:nvPicPr>
+          <p:cNvPr id="4098" name="Picture 2"/>
+          <p:cNvPicPr>
+            <a:picLocks noChangeAspect="1" noChangeArrowheads="1"/>
+          </p:cNvPicPr>
+          <p:nvPr/>
+        </p:nvPicPr>
+        <p:blipFill>
+          <a:blip r:embed="rId2">
+            <a:extLst>
+              <a:ext uri="{28A0092B-C50C-407E-A947-70E740481C1C}">
+                <a14:useLocalDpi xmlns:a14="http://schemas.microsoft.com/office/drawing/2010/main" val="0"/>
+              </a:ext>
+            </a:extLst>
+          </a:blip>
+          <a:srcRect/>
+          <a:stretch>
+            <a:fillRect/>
+          </a:stretch>
+        </p:blipFill>
+        <p:spPr bwMode="auto">
+          <a:xfrm>
+            <a:off x="16234" y="72008"/>
+            <a:ext cx="9092270" cy="5733256"/>
+          </a:xfrm>
+          <a:prstGeom prst="rect">
+            <a:avLst/>
+          </a:prstGeom>
+          <a:noFill/>
+          <a:ln>
+            <a:noFill/>
+          </a:ln>
+          <a:extLst>
+            <a:ext uri="{909E8E84-426E-40DD-AFC4-6F175D3DCCD1}">
+              <a14:hiddenFill xmlns:a14="http://schemas.microsoft.com/office/drawing/2010/main">
+                <a:solidFill>
+                  <a:schemeClr val="accent1"/>
+                </a:solidFill>
+              </a14:hiddenFill>
+            </a:ext>
+            <a:ext uri="{91240B29-F687-4F45-9708-019B960494DF}">
+              <a14:hiddenLine xmlns:a14="http://schemas.microsoft.com/office/drawing/2010/main" w="9525">
+                <a:solidFill>
+                  <a:schemeClr val="tx1"/>
+                </a:solidFill>
+                <a:miter lim="800000"/>
+                <a:headEnd/>
+                <a:tailEnd/>
+              </a14:hiddenLine>
+            </a:ext>
+          </a:extLst>
+        </p:spPr>
+      </p:pic>
+    </p:spTree>
+    <p:extLst>
+      <p:ext uri="{BB962C8B-B14F-4D97-AF65-F5344CB8AC3E}">
+        <p14:creationId xmlns:p14="http://schemas.microsoft.com/office/powerpoint/2010/main" val="3283321766"/>
+      </p:ext>
+    </p:extLst>
+  </p:cSld>
+  <p:clrMapOvr>
+    <a:masterClrMapping/>
+  </p:clrMapOvr>
+</p:sld>
+</file>
+
+<file path=ppt/slides/slide16.xml><?xml version="1.0" encoding="utf-8"?>
+<p:sld xmlns:a="http://schemas.openxmlformats.org/drawingml/2006/main" xmlns:r="http://schemas.openxmlformats.org/officeDocument/2006/relationships" xmlns:p="http://schemas.openxmlformats.org/presentationml/2006/main">
+  <p:cSld>
+    <p:spTree>
+      <p:nvGrpSpPr>
+        <p:cNvPr id="1" name=""/>
+        <p:cNvGrpSpPr/>
+        <p:nvPr/>
+      </p:nvGrpSpPr>
+      <p:grpSpPr>
+        <a:xfrm>
+          <a:off x="0" y="0"/>
+          <a:ext cx="0" cy="0"/>
+          <a:chOff x="0" y="0"/>
+          <a:chExt cx="0" cy="0"/>
+        </a:xfrm>
+      </p:grpSpPr>
+      <p:pic>
+        <p:nvPicPr>
+          <p:cNvPr id="5122" name="Picture 2"/>
+          <p:cNvPicPr>
+            <a:picLocks noChangeAspect="1" noChangeArrowheads="1"/>
+          </p:cNvPicPr>
+          <p:nvPr/>
+        </p:nvPicPr>
+        <p:blipFill>
+          <a:blip r:embed="rId2">
+            <a:extLst>
+              <a:ext uri="{28A0092B-C50C-407E-A947-70E740481C1C}">
+                <a14:useLocalDpi xmlns:a14="http://schemas.microsoft.com/office/drawing/2010/main" val="0"/>
+              </a:ext>
+            </a:extLst>
+          </a:blip>
+          <a:srcRect/>
+          <a:stretch>
+            <a:fillRect/>
+          </a:stretch>
+        </p:blipFill>
+        <p:spPr bwMode="auto">
+          <a:xfrm>
+            <a:off x="0" y="116632"/>
+            <a:ext cx="5305425" cy="1247775"/>
+          </a:xfrm>
+          <a:prstGeom prst="rect">
+            <a:avLst/>
+          </a:prstGeom>
+          <a:noFill/>
+          <a:ln>
+            <a:noFill/>
+          </a:ln>
+          <a:extLst>
+            <a:ext uri="{909E8E84-426E-40DD-AFC4-6F175D3DCCD1}">
+              <a14:hiddenFill xmlns:a14="http://schemas.microsoft.com/office/drawing/2010/main">
+                <a:solidFill>
+                  <a:schemeClr val="accent1"/>
+                </a:solidFill>
+              </a14:hiddenFill>
+            </a:ext>
+            <a:ext uri="{91240B29-F687-4F45-9708-019B960494DF}">
+              <a14:hiddenLine xmlns:a14="http://schemas.microsoft.com/office/drawing/2010/main" w="9525">
+                <a:solidFill>
+                  <a:schemeClr val="tx1"/>
+                </a:solidFill>
+                <a:miter lim="800000"/>
+                <a:headEnd/>
+                <a:tailEnd/>
+              </a14:hiddenLine>
+            </a:ext>
+          </a:extLst>
+        </p:spPr>
+      </p:pic>
+    </p:spTree>
+    <p:extLst>
+      <p:ext uri="{BB962C8B-B14F-4D97-AF65-F5344CB8AC3E}">
+        <p14:creationId xmlns:p14="http://schemas.microsoft.com/office/powerpoint/2010/main" val="4103505766"/>
+      </p:ext>
+    </p:extLst>
+  </p:cSld>
+  <p:clrMapOvr>
+    <a:masterClrMapping/>
+  </p:clrMapOvr>
+</p:sld>
+</file>
+
+<file path=ppt/slides/slide17.xml><?xml version="1.0" encoding="utf-8"?>
+<p:sld xmlns:a="http://schemas.openxmlformats.org/drawingml/2006/main" xmlns:r="http://schemas.openxmlformats.org/officeDocument/2006/relationships" xmlns:p="http://schemas.openxmlformats.org/presentationml/2006/main">
+  <p:cSld>
+    <p:spTree>
+      <p:nvGrpSpPr>
+        <p:cNvPr id="1" name=""/>
+        <p:cNvGrpSpPr/>
+        <p:nvPr/>
+      </p:nvGrpSpPr>
+      <p:grpSpPr>
+        <a:xfrm>
+          <a:off x="0" y="0"/>
+          <a:ext cx="0" cy="0"/>
+          <a:chOff x="0" y="0"/>
+          <a:chExt cx="0" cy="0"/>
+        </a:xfrm>
+      </p:grpSpPr>
+      <p:pic>
+        <p:nvPicPr>
+          <p:cNvPr id="6147" name="Picture 3"/>
+          <p:cNvPicPr>
+            <a:picLocks noChangeAspect="1" noChangeArrowheads="1"/>
+          </p:cNvPicPr>
+          <p:nvPr/>
+        </p:nvPicPr>
+        <p:blipFill>
+          <a:blip r:embed="rId2">
+            <a:extLst>
+              <a:ext uri="{28A0092B-C50C-407E-A947-70E740481C1C}">
+                <a14:useLocalDpi xmlns:a14="http://schemas.microsoft.com/office/drawing/2010/main" val="0"/>
+              </a:ext>
+            </a:extLst>
+          </a:blip>
+          <a:srcRect/>
+          <a:stretch>
+            <a:fillRect/>
+          </a:stretch>
+        </p:blipFill>
+        <p:spPr bwMode="auto">
+          <a:xfrm>
+            <a:off x="5004048" y="62338"/>
+            <a:ext cx="3810000" cy="3705225"/>
+          </a:xfrm>
+          <a:prstGeom prst="rect">
+            <a:avLst/>
+          </a:prstGeom>
+          <a:noFill/>
+          <a:ln>
+            <a:noFill/>
+          </a:ln>
+          <a:extLst>
+            <a:ext uri="{909E8E84-426E-40DD-AFC4-6F175D3DCCD1}">
+              <a14:hiddenFill xmlns:a14="http://schemas.microsoft.com/office/drawing/2010/main">
+                <a:solidFill>
+                  <a:schemeClr val="accent1"/>
+                </a:solidFill>
+              </a14:hiddenFill>
+            </a:ext>
+            <a:ext uri="{91240B29-F687-4F45-9708-019B960494DF}">
+              <a14:hiddenLine xmlns:a14="http://schemas.microsoft.com/office/drawing/2010/main" w="9525">
+                <a:solidFill>
+                  <a:schemeClr val="tx1"/>
+                </a:solidFill>
+                <a:miter lim="800000"/>
+                <a:headEnd/>
+                <a:tailEnd/>
+              </a14:hiddenLine>
+            </a:ext>
+          </a:extLst>
+        </p:spPr>
+      </p:pic>
+      <p:pic>
+        <p:nvPicPr>
+          <p:cNvPr id="6148" name="Picture 4"/>
+          <p:cNvPicPr>
+            <a:picLocks noChangeAspect="1" noChangeArrowheads="1"/>
+          </p:cNvPicPr>
+          <p:nvPr/>
+        </p:nvPicPr>
+        <p:blipFill rotWithShape="1">
+          <a:blip r:embed="rId3">
+            <a:extLst>
+              <a:ext uri="{28A0092B-C50C-407E-A947-70E740481C1C}">
+                <a14:useLocalDpi xmlns:a14="http://schemas.microsoft.com/office/drawing/2010/main" val="0"/>
+              </a:ext>
+            </a:extLst>
+          </a:blip>
+          <a:srcRect l="10461" t="13429" r="76471" b="50000"/>
+          <a:stretch/>
+        </p:blipFill>
+        <p:spPr bwMode="auto">
+          <a:xfrm>
+            <a:off x="107504" y="86151"/>
+            <a:ext cx="3684494" cy="3657600"/>
+          </a:xfrm>
+          <a:prstGeom prst="rect">
+            <a:avLst/>
+          </a:prstGeom>
+          <a:noFill/>
+          <a:ln>
+            <a:noFill/>
+          </a:ln>
+          <a:extLst>
+            <a:ext uri="{909E8E84-426E-40DD-AFC4-6F175D3DCCD1}">
+              <a14:hiddenFill xmlns:a14="http://schemas.microsoft.com/office/drawing/2010/main">
+                <a:solidFill>
+                  <a:schemeClr val="accent1"/>
+                </a:solidFill>
+              </a14:hiddenFill>
+            </a:ext>
+            <a:ext uri="{91240B29-F687-4F45-9708-019B960494DF}">
+              <a14:hiddenLine xmlns:a14="http://schemas.microsoft.com/office/drawing/2010/main" w="9525">
+                <a:solidFill>
+                  <a:schemeClr val="tx1"/>
+                </a:solidFill>
+                <a:miter lim="800000"/>
+                <a:headEnd/>
+                <a:tailEnd/>
+              </a14:hiddenLine>
+            </a:ext>
+          </a:extLst>
+        </p:spPr>
+      </p:pic>
+      <p:cxnSp>
+        <p:nvCxnSpPr>
+          <p:cNvPr id="3" name="Straight Arrow Connector 2"/>
+          <p:cNvCxnSpPr/>
+          <p:nvPr/>
+        </p:nvCxnSpPr>
+        <p:spPr>
+          <a:xfrm>
+            <a:off x="3923928" y="1914950"/>
+            <a:ext cx="936104" cy="0"/>
+          </a:xfrm>
+          <a:prstGeom prst="straightConnector1">
+            <a:avLst/>
+          </a:prstGeom>
+          <a:ln w="57150">
+            <a:tailEnd type="arrow"/>
+          </a:ln>
+        </p:spPr>
+        <p:style>
+          <a:lnRef idx="1">
+            <a:schemeClr val="accent1"/>
+          </a:lnRef>
+          <a:fillRef idx="0">
+            <a:schemeClr val="accent1"/>
+          </a:fillRef>
+          <a:effectRef idx="0">
+            <a:schemeClr val="accent1"/>
+          </a:effectRef>
+          <a:fontRef idx="minor">
+            <a:schemeClr val="tx1"/>
+          </a:fontRef>
+        </p:style>
+      </p:cxnSp>
+      <p:sp>
+        <p:nvSpPr>
+          <p:cNvPr id="7" name="Rectangle 6"/>
+          <p:cNvSpPr/>
+          <p:nvPr/>
+        </p:nvSpPr>
+        <p:spPr>
+          <a:xfrm>
+            <a:off x="5148064" y="2924944"/>
+            <a:ext cx="683831" cy="173207"/>
+          </a:xfrm>
+          <a:prstGeom prst="rect">
+            <a:avLst/>
+          </a:prstGeom>
+          <a:noFill/>
+          <a:ln w="28575">
+            <a:solidFill>
+              <a:schemeClr val="accent4">
+                <a:lumMod val="75000"/>
+              </a:schemeClr>
+            </a:solidFill>
+          </a:ln>
+        </p:spPr>
+        <p:style>
+          <a:lnRef idx="2">
+            <a:schemeClr val="accent1">
+              <a:shade val="50000"/>
+            </a:schemeClr>
+          </a:lnRef>
+          <a:fillRef idx="1">
+            <a:schemeClr val="accent1"/>
+          </a:fillRef>
+          <a:effectRef idx="0">
+            <a:schemeClr val="accent1"/>
+          </a:effectRef>
+          <a:fontRef idx="minor">
+            <a:schemeClr val="lt1"/>
+          </a:fontRef>
+        </p:style>
+        <p:txBody>
+          <a:bodyPr rtlCol="0" anchor="ctr"/>
+          <a:lstStyle/>
+          <a:p>
+            <a:pPr algn="ctr"/>
+            <a:endParaRPr lang="en-CA"/>
+          </a:p>
+        </p:txBody>
+      </p:sp>
+    </p:spTree>
+    <p:extLst>
+      <p:ext uri="{BB962C8B-B14F-4D97-AF65-F5344CB8AC3E}">
+        <p14:creationId xmlns:p14="http://schemas.microsoft.com/office/powerpoint/2010/main" val="3725725502"/>
+      </p:ext>
+    </p:extLst>
+  </p:cSld>
+  <p:clrMapOvr>
+    <a:masterClrMapping/>
+  </p:clrMapOvr>
+</p:sld>
+</file>
+
+<file path=ppt/slides/slide18.xml><?xml version="1.0" encoding="utf-8"?>
+<p:sld xmlns:a="http://schemas.openxmlformats.org/drawingml/2006/main" xmlns:r="http://schemas.openxmlformats.org/officeDocument/2006/relationships" xmlns:p="http://schemas.openxmlformats.org/presentationml/2006/main">
+  <p:cSld>
+    <p:spTree>
+      <p:nvGrpSpPr>
+        <p:cNvPr id="1" name=""/>
+        <p:cNvGrpSpPr/>
+        <p:nvPr/>
+      </p:nvGrpSpPr>
+      <p:grpSpPr>
+        <a:xfrm>
+          <a:off x="0" y="0"/>
+          <a:ext cx="0" cy="0"/>
+          <a:chOff x="0" y="0"/>
+          <a:chExt cx="0" cy="0"/>
+        </a:xfrm>
+      </p:grpSpPr>
+    </p:spTree>
+    <p:extLst>
+      <p:ext uri="{BB962C8B-B14F-4D97-AF65-F5344CB8AC3E}">
+        <p14:creationId xmlns:p14="http://schemas.microsoft.com/office/powerpoint/2010/main" val="3324099695"/>
       </p:ext>
     </p:extLst>
   </p:cSld>
